--- a/RadarSignalProcessing.pptx
+++ b/RadarSignalProcessing.pptx
@@ -7,13 +7,18 @@
   <p:sldIdLst>
     <p:sldId id="256" r:id="rId2"/>
     <p:sldId id="257" r:id="rId3"/>
-    <p:sldId id="258" r:id="rId4"/>
-    <p:sldId id="259" r:id="rId5"/>
-    <p:sldId id="260" r:id="rId6"/>
-    <p:sldId id="261" r:id="rId7"/>
-    <p:sldId id="262" r:id="rId8"/>
-    <p:sldId id="263" r:id="rId9"/>
-    <p:sldId id="264" r:id="rId10"/>
+    <p:sldId id="265" r:id="rId4"/>
+    <p:sldId id="258" r:id="rId5"/>
+    <p:sldId id="259" r:id="rId6"/>
+    <p:sldId id="260" r:id="rId7"/>
+    <p:sldId id="261" r:id="rId8"/>
+    <p:sldId id="262" r:id="rId9"/>
+    <p:sldId id="263" r:id="rId10"/>
+    <p:sldId id="264" r:id="rId11"/>
+    <p:sldId id="266" r:id="rId12"/>
+    <p:sldId id="267" r:id="rId13"/>
+    <p:sldId id="268" r:id="rId14"/>
+    <p:sldId id="269" r:id="rId15"/>
   </p:sldIdLst>
   <p:sldSz cx="12192000" cy="6858000"/>
   <p:notesSz cx="6858000" cy="9144000"/>
@@ -112,6 +117,11 @@
       </a:defRPr>
     </a:lvl9pPr>
   </p:defaultTextStyle>
+  <p:extLst>
+    <p:ext uri="{EFAFB233-063F-42B5-8137-9DF3F51BA10A}">
+      <p15:sldGuideLst xmlns:p15="http://schemas.microsoft.com/office/powerpoint/2012/main"/>
+    </p:ext>
+  </p:extLst>
 </p:presentation>
 </file>
 
@@ -262,7 +272,7 @@
           <a:p>
             <a:fld id="{8FC77A91-A475-4F8F-B416-98BE7B327D7B}" type="datetimeFigureOut">
               <a:rPr lang="en-US" smtClean="0"/>
-              <a:t>2/4/2026</a:t>
+              <a:t>2/8/2026</a:t>
             </a:fld>
             <a:endParaRPr lang="en-US"/>
           </a:p>
@@ -460,7 +470,7 @@
           <a:p>
             <a:fld id="{8FC77A91-A475-4F8F-B416-98BE7B327D7B}" type="datetimeFigureOut">
               <a:rPr lang="en-US" smtClean="0"/>
-              <a:t>2/4/2026</a:t>
+              <a:t>2/8/2026</a:t>
             </a:fld>
             <a:endParaRPr lang="en-US"/>
           </a:p>
@@ -668,7 +678,7 @@
           <a:p>
             <a:fld id="{8FC77A91-A475-4F8F-B416-98BE7B327D7B}" type="datetimeFigureOut">
               <a:rPr lang="en-US" smtClean="0"/>
-              <a:t>2/4/2026</a:t>
+              <a:t>2/8/2026</a:t>
             </a:fld>
             <a:endParaRPr lang="en-US"/>
           </a:p>
@@ -866,7 +876,7 @@
           <a:p>
             <a:fld id="{8FC77A91-A475-4F8F-B416-98BE7B327D7B}" type="datetimeFigureOut">
               <a:rPr lang="en-US" smtClean="0"/>
-              <a:t>2/4/2026</a:t>
+              <a:t>2/8/2026</a:t>
             </a:fld>
             <a:endParaRPr lang="en-US"/>
           </a:p>
@@ -1141,7 +1151,7 @@
           <a:p>
             <a:fld id="{8FC77A91-A475-4F8F-B416-98BE7B327D7B}" type="datetimeFigureOut">
               <a:rPr lang="en-US" smtClean="0"/>
-              <a:t>2/4/2026</a:t>
+              <a:t>2/8/2026</a:t>
             </a:fld>
             <a:endParaRPr lang="en-US"/>
           </a:p>
@@ -1406,7 +1416,7 @@
           <a:p>
             <a:fld id="{8FC77A91-A475-4F8F-B416-98BE7B327D7B}" type="datetimeFigureOut">
               <a:rPr lang="en-US" smtClean="0"/>
-              <a:t>2/4/2026</a:t>
+              <a:t>2/8/2026</a:t>
             </a:fld>
             <a:endParaRPr lang="en-US"/>
           </a:p>
@@ -1818,7 +1828,7 @@
           <a:p>
             <a:fld id="{8FC77A91-A475-4F8F-B416-98BE7B327D7B}" type="datetimeFigureOut">
               <a:rPr lang="en-US" smtClean="0"/>
-              <a:t>2/4/2026</a:t>
+              <a:t>2/8/2026</a:t>
             </a:fld>
             <a:endParaRPr lang="en-US"/>
           </a:p>
@@ -1959,7 +1969,7 @@
           <a:p>
             <a:fld id="{8FC77A91-A475-4F8F-B416-98BE7B327D7B}" type="datetimeFigureOut">
               <a:rPr lang="en-US" smtClean="0"/>
-              <a:t>2/4/2026</a:t>
+              <a:t>2/8/2026</a:t>
             </a:fld>
             <a:endParaRPr lang="en-US"/>
           </a:p>
@@ -2072,7 +2082,7 @@
           <a:p>
             <a:fld id="{8FC77A91-A475-4F8F-B416-98BE7B327D7B}" type="datetimeFigureOut">
               <a:rPr lang="en-US" smtClean="0"/>
-              <a:t>2/4/2026</a:t>
+              <a:t>2/8/2026</a:t>
             </a:fld>
             <a:endParaRPr lang="en-US"/>
           </a:p>
@@ -2383,7 +2393,7 @@
           <a:p>
             <a:fld id="{8FC77A91-A475-4F8F-B416-98BE7B327D7B}" type="datetimeFigureOut">
               <a:rPr lang="en-US" smtClean="0"/>
-              <a:t>2/4/2026</a:t>
+              <a:t>2/8/2026</a:t>
             </a:fld>
             <a:endParaRPr lang="en-US"/>
           </a:p>
@@ -2671,7 +2681,7 @@
           <a:p>
             <a:fld id="{8FC77A91-A475-4F8F-B416-98BE7B327D7B}" type="datetimeFigureOut">
               <a:rPr lang="en-US" smtClean="0"/>
-              <a:t>2/4/2026</a:t>
+              <a:t>2/8/2026</a:t>
             </a:fld>
             <a:endParaRPr lang="en-US"/>
           </a:p>
@@ -2912,7 +2922,7 @@
           <a:p>
             <a:fld id="{8FC77A91-A475-4F8F-B416-98BE7B327D7B}" type="datetimeFigureOut">
               <a:rPr lang="en-US" smtClean="0"/>
-              <a:t>2/4/2026</a:t>
+              <a:t>2/8/2026</a:t>
             </a:fld>
             <a:endParaRPr lang="en-US"/>
           </a:p>
@@ -3392,6 +3402,1179 @@
 </p:sld>
 </file>
 
+<file path=ppt/slides/slide10.xml><?xml version="1.0" encoding="utf-8"?>
+<p:sld xmlns:a="http://schemas.openxmlformats.org/drawingml/2006/main" xmlns:r="http://schemas.openxmlformats.org/officeDocument/2006/relationships" xmlns:p="http://schemas.openxmlformats.org/presentationml/2006/main">
+  <p:cSld>
+    <p:spTree>
+      <p:nvGrpSpPr>
+        <p:cNvPr id="1" name="">
+          <a:extLst>
+            <a:ext uri="{FF2B5EF4-FFF2-40B4-BE49-F238E27FC236}">
+              <a16:creationId xmlns:a16="http://schemas.microsoft.com/office/drawing/2014/main" id="{DFF5BCDF-EA04-FECC-2A2D-8C9FE564B8F1}"/>
+            </a:ext>
+          </a:extLst>
+        </p:cNvPr>
+        <p:cNvGrpSpPr/>
+        <p:nvPr/>
+      </p:nvGrpSpPr>
+      <p:grpSpPr>
+        <a:xfrm>
+          <a:off x="0" y="0"/>
+          <a:ext cx="0" cy="0"/>
+          <a:chOff x="0" y="0"/>
+          <a:chExt cx="0" cy="0"/>
+        </a:xfrm>
+      </p:grpSpPr>
+      <p:sp>
+        <p:nvSpPr>
+          <p:cNvPr id="2" name="Title 1">
+            <a:extLst>
+              <a:ext uri="{FF2B5EF4-FFF2-40B4-BE49-F238E27FC236}">
+                <a16:creationId xmlns:a16="http://schemas.microsoft.com/office/drawing/2014/main" id="{8A7E6CA3-1C5B-6122-0F7F-F13E5212F482}"/>
+              </a:ext>
+            </a:extLst>
+          </p:cNvPr>
+          <p:cNvSpPr>
+            <a:spLocks noGrp="1"/>
+          </p:cNvSpPr>
+          <p:nvPr>
+            <p:ph type="title"/>
+          </p:nvPr>
+        </p:nvSpPr>
+        <p:spPr/>
+        <p:txBody>
+          <a:bodyPr/>
+          <a:lstStyle/>
+          <a:p>
+            <a:r>
+              <a:rPr lang="en-US" dirty="0">
+                <a:latin typeface="Calibri Light (Headings)"/>
+              </a:rPr>
+              <a:t>Radar Signal Processing</a:t>
+            </a:r>
+            <a:r>
+              <a:rPr lang="vi-VN" dirty="0">
+                <a:latin typeface="Calibri Light (Headings)"/>
+              </a:rPr>
+              <a:t> Basis</a:t>
+            </a:r>
+            <a:endParaRPr lang="en-US" dirty="0"/>
+          </a:p>
+        </p:txBody>
+      </p:sp>
+      <p:pic>
+        <p:nvPicPr>
+          <p:cNvPr id="5" name="Content Placeholder 4">
+            <a:extLst>
+              <a:ext uri="{FF2B5EF4-FFF2-40B4-BE49-F238E27FC236}">
+                <a16:creationId xmlns:a16="http://schemas.microsoft.com/office/drawing/2014/main" id="{E8B0302B-FE26-CBDC-50D9-A98917236CFC}"/>
+              </a:ext>
+            </a:extLst>
+          </p:cNvPr>
+          <p:cNvPicPr>
+            <a:picLocks noGrp="1" noChangeAspect="1"/>
+          </p:cNvPicPr>
+          <p:nvPr>
+            <p:ph idx="1"/>
+          </p:nvPr>
+        </p:nvPicPr>
+        <p:blipFill>
+          <a:blip r:embed="rId2"/>
+          <a:stretch>
+            <a:fillRect/>
+          </a:stretch>
+        </p:blipFill>
+        <p:spPr>
+          <a:xfrm>
+            <a:off x="5899473" y="1690688"/>
+            <a:ext cx="5454328" cy="1738312"/>
+          </a:xfrm>
+          <a:prstGeom prst="rect">
+            <a:avLst/>
+          </a:prstGeom>
+        </p:spPr>
+      </p:pic>
+      <p:sp>
+        <p:nvSpPr>
+          <p:cNvPr id="3" name="TextBox 2">
+            <a:extLst>
+              <a:ext uri="{FF2B5EF4-FFF2-40B4-BE49-F238E27FC236}">
+                <a16:creationId xmlns:a16="http://schemas.microsoft.com/office/drawing/2014/main" id="{38457D46-90D4-B9DA-8EBA-A4D6EA55AD7F}"/>
+              </a:ext>
+            </a:extLst>
+          </p:cNvPr>
+          <p:cNvSpPr txBox="1"/>
+          <p:nvPr/>
+        </p:nvSpPr>
+        <p:spPr>
+          <a:xfrm>
+            <a:off x="814347" y="3620778"/>
+            <a:ext cx="9814786" cy="2431435"/>
+          </a:xfrm>
+          <a:prstGeom prst="rect">
+            <a:avLst/>
+          </a:prstGeom>
+          <a:noFill/>
+        </p:spPr>
+        <p:txBody>
+          <a:bodyPr wrap="square" rtlCol="0">
+            <a:spAutoFit/>
+          </a:bodyPr>
+          <a:lstStyle/>
+          <a:p>
+            <a:r>
+              <a:rPr lang="en-US" sz="3200" b="1" dirty="0"/>
+              <a:t>Digital Signal Processing</a:t>
+            </a:r>
+          </a:p>
+          <a:p>
+            <a:pPr marL="742950" lvl="1" indent="-285750">
+              <a:buFont typeface="Arial" panose="020B0604020202020204" pitchFamily="34" charset="0"/>
+              <a:buChar char="•"/>
+            </a:pPr>
+            <a:r>
+              <a:rPr lang="en-AU" sz="2000" dirty="0"/>
+              <a:t>Perform distance, speed and angle of the detected object and each of these parameters are measured for each reflected point (Detection).</a:t>
+            </a:r>
+          </a:p>
+          <a:p>
+            <a:pPr marL="742950" lvl="1" indent="-285750">
+              <a:buFont typeface="Arial" panose="020B0604020202020204" pitchFamily="34" charset="0"/>
+              <a:buChar char="•"/>
+            </a:pPr>
+            <a:r>
+              <a:rPr lang="en-AU" sz="2000" dirty="0"/>
+              <a:t>Involves Range – FFT, Doppler – FFT (2D FFT), CFAR, Angle of Arrival Determination, and finally Detection List generation for each Radar cycle</a:t>
+            </a:r>
+          </a:p>
+          <a:p>
+            <a:pPr marL="742950" lvl="1" indent="-285750">
+              <a:buFont typeface="Arial" panose="020B0604020202020204" pitchFamily="34" charset="0"/>
+              <a:buChar char="•"/>
+            </a:pPr>
+            <a:r>
+              <a:rPr lang="en-AU" sz="2000" dirty="0"/>
+              <a:t>Output will be used in </a:t>
+            </a:r>
+            <a:r>
+              <a:rPr lang="en-US" sz="2000" i="1" dirty="0">
+                <a:solidFill>
+                  <a:schemeClr val="bg2">
+                    <a:lumMod val="75000"/>
+                  </a:schemeClr>
+                </a:solidFill>
+              </a:rPr>
+              <a:t>Radar Data Processing (provide List of detections to compute </a:t>
+            </a:r>
+            <a:r>
+              <a:rPr lang="en-AU" sz="2000" i="1" dirty="0">
+                <a:solidFill>
+                  <a:schemeClr val="bg2">
+                    <a:lumMod val="75000"/>
+                  </a:schemeClr>
+                </a:solidFill>
+              </a:rPr>
+              <a:t>List of Track Objects (ex: </a:t>
+            </a:r>
+            <a:r>
+              <a:rPr lang="en-US" sz="2000" i="1" dirty="0">
+                <a:solidFill>
+                  <a:schemeClr val="bg2">
+                    <a:lumMod val="75000"/>
+                  </a:schemeClr>
+                </a:solidFill>
+              </a:rPr>
+              <a:t>Clustering, Object Tracking, …</a:t>
+            </a:r>
+            <a:r>
+              <a:rPr lang="en-AU" sz="2000" i="1" dirty="0">
+                <a:solidFill>
+                  <a:schemeClr val="bg2">
+                    <a:lumMod val="75000"/>
+                  </a:schemeClr>
+                </a:solidFill>
+              </a:rPr>
+              <a:t>)</a:t>
+            </a:r>
+            <a:endParaRPr lang="en-US" sz="2000" i="1" dirty="0">
+              <a:solidFill>
+                <a:schemeClr val="bg2">
+                  <a:lumMod val="75000"/>
+                </a:schemeClr>
+              </a:solidFill>
+            </a:endParaRPr>
+          </a:p>
+        </p:txBody>
+      </p:sp>
+    </p:spTree>
+    <p:extLst>
+      <p:ext uri="{BB962C8B-B14F-4D97-AF65-F5344CB8AC3E}">
+        <p14:creationId xmlns:p14="http://schemas.microsoft.com/office/powerpoint/2010/main" val="2815733867"/>
+      </p:ext>
+    </p:extLst>
+  </p:cSld>
+  <p:clrMapOvr>
+    <a:masterClrMapping/>
+  </p:clrMapOvr>
+</p:sld>
+</file>
+
+<file path=ppt/slides/slide11.xml><?xml version="1.0" encoding="utf-8"?>
+<p:sld xmlns:a="http://schemas.openxmlformats.org/drawingml/2006/main" xmlns:r="http://schemas.openxmlformats.org/officeDocument/2006/relationships" xmlns:p="http://schemas.openxmlformats.org/presentationml/2006/main">
+  <p:cSld>
+    <p:spTree>
+      <p:nvGrpSpPr>
+        <p:cNvPr id="1" name="">
+          <a:extLst>
+            <a:ext uri="{FF2B5EF4-FFF2-40B4-BE49-F238E27FC236}">
+              <a16:creationId xmlns:a16="http://schemas.microsoft.com/office/drawing/2014/main" id="{6A58C7B5-69AA-3699-49FF-1C468D3BB3EE}"/>
+            </a:ext>
+          </a:extLst>
+        </p:cNvPr>
+        <p:cNvGrpSpPr/>
+        <p:nvPr/>
+      </p:nvGrpSpPr>
+      <p:grpSpPr>
+        <a:xfrm>
+          <a:off x="0" y="0"/>
+          <a:ext cx="0" cy="0"/>
+          <a:chOff x="0" y="0"/>
+          <a:chExt cx="0" cy="0"/>
+        </a:xfrm>
+      </p:grpSpPr>
+      <p:sp>
+        <p:nvSpPr>
+          <p:cNvPr id="2" name="Title 1">
+            <a:extLst>
+              <a:ext uri="{FF2B5EF4-FFF2-40B4-BE49-F238E27FC236}">
+                <a16:creationId xmlns:a16="http://schemas.microsoft.com/office/drawing/2014/main" id="{B940FB48-2438-F2F7-4E65-504FDE9A8603}"/>
+              </a:ext>
+            </a:extLst>
+          </p:cNvPr>
+          <p:cNvSpPr>
+            <a:spLocks noGrp="1"/>
+          </p:cNvSpPr>
+          <p:nvPr>
+            <p:ph type="title"/>
+          </p:nvPr>
+        </p:nvSpPr>
+        <p:spPr/>
+        <p:txBody>
+          <a:bodyPr>
+            <a:normAutofit/>
+          </a:bodyPr>
+          <a:lstStyle/>
+          <a:p>
+            <a:r>
+              <a:rPr lang="en-US" sz="4200" dirty="0">
+                <a:latin typeface="Calibri Light (Headings)"/>
+              </a:rPr>
+              <a:t>Radar Signal </a:t>
+            </a:r>
+            <a:r>
+              <a:rPr lang="vi-VN" sz="4200" dirty="0">
+                <a:latin typeface="Calibri Light (Headings)"/>
+              </a:rPr>
+              <a:t>Processing - Radar Equation</a:t>
+            </a:r>
+            <a:endParaRPr lang="en-US" sz="4200" dirty="0">
+              <a:latin typeface="Calibri Light (Headings)"/>
+            </a:endParaRPr>
+          </a:p>
+        </p:txBody>
+      </p:sp>
+      <p:pic>
+        <p:nvPicPr>
+          <p:cNvPr id="5" name="Content Placeholder 4">
+            <a:extLst>
+              <a:ext uri="{FF2B5EF4-FFF2-40B4-BE49-F238E27FC236}">
+                <a16:creationId xmlns:a16="http://schemas.microsoft.com/office/drawing/2014/main" id="{F3EBCE3F-CCC4-8F7F-4B4A-D7837867684D}"/>
+              </a:ext>
+            </a:extLst>
+          </p:cNvPr>
+          <p:cNvPicPr>
+            <a:picLocks noGrp="1" noChangeAspect="1"/>
+          </p:cNvPicPr>
+          <p:nvPr>
+            <p:ph idx="1"/>
+          </p:nvPr>
+        </p:nvPicPr>
+        <p:blipFill>
+          <a:blip r:embed="rId2"/>
+          <a:stretch>
+            <a:fillRect/>
+          </a:stretch>
+        </p:blipFill>
+        <p:spPr>
+          <a:xfrm>
+            <a:off x="5899473" y="1690688"/>
+            <a:ext cx="5454328" cy="1738312"/>
+          </a:xfrm>
+          <a:prstGeom prst="rect">
+            <a:avLst/>
+          </a:prstGeom>
+        </p:spPr>
+      </p:pic>
+      <p:sp>
+        <p:nvSpPr>
+          <p:cNvPr id="3" name="TextBox 2">
+            <a:extLst>
+              <a:ext uri="{FF2B5EF4-FFF2-40B4-BE49-F238E27FC236}">
+                <a16:creationId xmlns:a16="http://schemas.microsoft.com/office/drawing/2014/main" id="{6AE3FCEC-B72B-596F-2F20-3F35C14F9DAF}"/>
+              </a:ext>
+            </a:extLst>
+          </p:cNvPr>
+          <p:cNvSpPr txBox="1"/>
+          <p:nvPr/>
+        </p:nvSpPr>
+        <p:spPr>
+          <a:xfrm>
+            <a:off x="814347" y="3620778"/>
+            <a:ext cx="9814786" cy="2123658"/>
+          </a:xfrm>
+          <a:prstGeom prst="rect">
+            <a:avLst/>
+          </a:prstGeom>
+          <a:noFill/>
+        </p:spPr>
+        <p:txBody>
+          <a:bodyPr wrap="square" rtlCol="0">
+            <a:spAutoFit/>
+          </a:bodyPr>
+          <a:lstStyle/>
+          <a:p>
+            <a:r>
+              <a:rPr lang="vi-VN" sz="3200" b="1" dirty="0"/>
+              <a:t>Radar Equation</a:t>
+            </a:r>
+            <a:endParaRPr lang="en-US" sz="3200" b="1" dirty="0"/>
+          </a:p>
+          <a:p>
+            <a:pPr marL="800100" lvl="1" indent="-342900">
+              <a:buFont typeface="Arial" panose="020B0604020202020204" pitchFamily="34" charset="0"/>
+              <a:buChar char="•"/>
+            </a:pPr>
+            <a:r>
+              <a:rPr lang="en-AU" sz="2000" dirty="0"/>
+              <a:t>A radar equation relates the range of a radar to the characteristics of the transmitter, Receiver antenna, target, and distance. </a:t>
+            </a:r>
+            <a:endParaRPr lang="vi-VN" sz="2000" dirty="0"/>
+          </a:p>
+          <a:p>
+            <a:pPr marL="1257300" lvl="2" indent="-342900">
+              <a:buFont typeface="Arial" panose="020B0604020202020204" pitchFamily="34" charset="0"/>
+              <a:buChar char="•"/>
+            </a:pPr>
+            <a:r>
+              <a:rPr lang="vi-VN" sz="2000" dirty="0"/>
+              <a:t>Pt:</a:t>
+            </a:r>
+            <a:r>
+              <a:rPr lang="en-AU" sz="2000" dirty="0"/>
+              <a:t> be the transmitted power, </a:t>
+            </a:r>
+            <a:endParaRPr lang="vi-VN" sz="2000" dirty="0"/>
+          </a:p>
+          <a:p>
+            <a:pPr marL="1257300" lvl="2" indent="-342900">
+              <a:buFont typeface="Arial" panose="020B0604020202020204" pitchFamily="34" charset="0"/>
+              <a:buChar char="•"/>
+            </a:pPr>
+            <a:r>
+              <a:rPr lang="vi-VN" sz="2000" dirty="0"/>
+              <a:t>G: </a:t>
+            </a:r>
+            <a:r>
+              <a:rPr lang="en-AU" sz="2000" dirty="0"/>
+              <a:t>the antenna gain, </a:t>
+            </a:r>
+            <a:endParaRPr lang="vi-VN" sz="2000" dirty="0"/>
+          </a:p>
+          <a:p>
+            <a:pPr marL="1257300" lvl="2" indent="-342900">
+              <a:buFont typeface="Arial" panose="020B0604020202020204" pitchFamily="34" charset="0"/>
+              <a:buChar char="•"/>
+            </a:pPr>
+            <a:r>
+              <a:rPr lang="vi-VN" sz="2000" dirty="0"/>
+              <a:t>R:</a:t>
+            </a:r>
+            <a:r>
+              <a:rPr lang="en-AU" sz="2000" dirty="0"/>
+              <a:t> the distance of the target.</a:t>
+            </a:r>
+            <a:endParaRPr lang="en-US" sz="2000" i="1" dirty="0">
+              <a:solidFill>
+                <a:schemeClr val="bg2">
+                  <a:lumMod val="75000"/>
+                </a:schemeClr>
+              </a:solidFill>
+            </a:endParaRPr>
+          </a:p>
+        </p:txBody>
+      </p:sp>
+      <p:pic>
+        <p:nvPicPr>
+          <p:cNvPr id="6" name="Picture 5">
+            <a:extLst>
+              <a:ext uri="{FF2B5EF4-FFF2-40B4-BE49-F238E27FC236}">
+                <a16:creationId xmlns:a16="http://schemas.microsoft.com/office/drawing/2014/main" id="{CB2E24F2-D08A-7AAD-BBA0-91DA614E7E1C}"/>
+              </a:ext>
+            </a:extLst>
+          </p:cNvPr>
+          <p:cNvPicPr>
+            <a:picLocks noChangeAspect="1"/>
+          </p:cNvPicPr>
+          <p:nvPr/>
+        </p:nvPicPr>
+        <p:blipFill>
+          <a:blip r:embed="rId3"/>
+          <a:stretch>
+            <a:fillRect/>
+          </a:stretch>
+        </p:blipFill>
+        <p:spPr>
+          <a:xfrm>
+            <a:off x="1346304" y="2222438"/>
+            <a:ext cx="2540131" cy="1206562"/>
+          </a:xfrm>
+          <a:prstGeom prst="rect">
+            <a:avLst/>
+          </a:prstGeom>
+        </p:spPr>
+      </p:pic>
+    </p:spTree>
+    <p:extLst>
+      <p:ext uri="{BB962C8B-B14F-4D97-AF65-F5344CB8AC3E}">
+        <p14:creationId xmlns:p14="http://schemas.microsoft.com/office/powerpoint/2010/main" val="4249486164"/>
+      </p:ext>
+    </p:extLst>
+  </p:cSld>
+  <p:clrMapOvr>
+    <a:masterClrMapping/>
+  </p:clrMapOvr>
+</p:sld>
+</file>
+
+<file path=ppt/slides/slide12.xml><?xml version="1.0" encoding="utf-8"?>
+<p:sld xmlns:a="http://schemas.openxmlformats.org/drawingml/2006/main" xmlns:r="http://schemas.openxmlformats.org/officeDocument/2006/relationships" xmlns:p="http://schemas.openxmlformats.org/presentationml/2006/main">
+  <p:cSld>
+    <p:spTree>
+      <p:nvGrpSpPr>
+        <p:cNvPr id="1" name="">
+          <a:extLst>
+            <a:ext uri="{FF2B5EF4-FFF2-40B4-BE49-F238E27FC236}">
+              <a16:creationId xmlns:a16="http://schemas.microsoft.com/office/drawing/2014/main" id="{40735B7C-5F14-2375-92B6-93A53658E544}"/>
+            </a:ext>
+          </a:extLst>
+        </p:cNvPr>
+        <p:cNvGrpSpPr/>
+        <p:nvPr/>
+      </p:nvGrpSpPr>
+      <p:grpSpPr>
+        <a:xfrm>
+          <a:off x="0" y="0"/>
+          <a:ext cx="0" cy="0"/>
+          <a:chOff x="0" y="0"/>
+          <a:chExt cx="0" cy="0"/>
+        </a:xfrm>
+      </p:grpSpPr>
+      <p:sp>
+        <p:nvSpPr>
+          <p:cNvPr id="2" name="Title 1">
+            <a:extLst>
+              <a:ext uri="{FF2B5EF4-FFF2-40B4-BE49-F238E27FC236}">
+                <a16:creationId xmlns:a16="http://schemas.microsoft.com/office/drawing/2014/main" id="{3D0583D4-7A8A-188D-6B3C-1AE06BE5092E}"/>
+              </a:ext>
+            </a:extLst>
+          </p:cNvPr>
+          <p:cNvSpPr>
+            <a:spLocks noGrp="1"/>
+          </p:cNvSpPr>
+          <p:nvPr>
+            <p:ph type="title"/>
+          </p:nvPr>
+        </p:nvSpPr>
+        <p:spPr/>
+        <p:txBody>
+          <a:bodyPr>
+            <a:normAutofit/>
+          </a:bodyPr>
+          <a:lstStyle/>
+          <a:p>
+            <a:r>
+              <a:rPr lang="en-US" sz="4200" dirty="0">
+                <a:latin typeface="Calibri Light (Headings)"/>
+              </a:rPr>
+              <a:t>Radar Signal </a:t>
+            </a:r>
+            <a:r>
+              <a:rPr lang="vi-VN" sz="4200" dirty="0">
+                <a:latin typeface="Calibri Light (Headings)"/>
+              </a:rPr>
+              <a:t>Processing - Radar Equation</a:t>
+            </a:r>
+            <a:endParaRPr lang="en-US" sz="4200" dirty="0">
+              <a:latin typeface="Calibri Light (Headings)"/>
+            </a:endParaRPr>
+          </a:p>
+        </p:txBody>
+      </p:sp>
+      <p:pic>
+        <p:nvPicPr>
+          <p:cNvPr id="5" name="Content Placeholder 4">
+            <a:extLst>
+              <a:ext uri="{FF2B5EF4-FFF2-40B4-BE49-F238E27FC236}">
+                <a16:creationId xmlns:a16="http://schemas.microsoft.com/office/drawing/2014/main" id="{BDC5E8EA-AAD7-DD15-C7F2-8B8BD36C978C}"/>
+              </a:ext>
+            </a:extLst>
+          </p:cNvPr>
+          <p:cNvPicPr>
+            <a:picLocks noGrp="1" noChangeAspect="1"/>
+          </p:cNvPicPr>
+          <p:nvPr>
+            <p:ph idx="1"/>
+          </p:nvPr>
+        </p:nvPicPr>
+        <p:blipFill>
+          <a:blip r:embed="rId2"/>
+          <a:stretch>
+            <a:fillRect/>
+          </a:stretch>
+        </p:blipFill>
+        <p:spPr>
+          <a:xfrm>
+            <a:off x="5899473" y="1690688"/>
+            <a:ext cx="5454328" cy="1738312"/>
+          </a:xfrm>
+          <a:prstGeom prst="rect">
+            <a:avLst/>
+          </a:prstGeom>
+        </p:spPr>
+      </p:pic>
+      <p:sp>
+        <p:nvSpPr>
+          <p:cNvPr id="3" name="TextBox 2">
+            <a:extLst>
+              <a:ext uri="{FF2B5EF4-FFF2-40B4-BE49-F238E27FC236}">
+                <a16:creationId xmlns:a16="http://schemas.microsoft.com/office/drawing/2014/main" id="{A2D59F81-4C14-8653-7F50-47676F4139D5}"/>
+              </a:ext>
+            </a:extLst>
+          </p:cNvPr>
+          <p:cNvSpPr txBox="1"/>
+          <p:nvPr/>
+        </p:nvSpPr>
+        <p:spPr>
+          <a:xfrm>
+            <a:off x="814347" y="3620778"/>
+            <a:ext cx="9814786" cy="2123658"/>
+          </a:xfrm>
+          <a:prstGeom prst="rect">
+            <a:avLst/>
+          </a:prstGeom>
+          <a:noFill/>
+        </p:spPr>
+        <p:txBody>
+          <a:bodyPr wrap="square" rtlCol="0">
+            <a:spAutoFit/>
+          </a:bodyPr>
+          <a:lstStyle/>
+          <a:p>
+            <a:r>
+              <a:rPr lang="vi-VN" sz="3200" b="1" dirty="0"/>
+              <a:t>Radar Equation</a:t>
+            </a:r>
+            <a:r>
+              <a:rPr lang="vi-VN" sz="2000" dirty="0"/>
+              <a:t>	</a:t>
+            </a:r>
+            <a:endParaRPr lang="en-US" sz="2000" dirty="0"/>
+          </a:p>
+          <a:p>
+            <a:pPr marL="800100" lvl="1" indent="-342900">
+              <a:buFont typeface="Arial" panose="020B0604020202020204" pitchFamily="34" charset="0"/>
+              <a:buChar char="•"/>
+            </a:pPr>
+            <a:r>
+              <a:rPr lang="en-AU" sz="2000" dirty="0"/>
+              <a:t>A radar equation relates the range of a radar to the characteristics of the transmitter, Receiver antenna, target, and distance. </a:t>
+            </a:r>
+            <a:r>
+              <a:rPr lang="vi-VN" sz="2000" dirty="0"/>
+              <a:t>Power </a:t>
+            </a:r>
+            <a:r>
+              <a:rPr lang="en-AU" sz="2000" dirty="0"/>
+              <a:t>density </a:t>
+            </a:r>
+            <a:r>
+              <a:rPr lang="en-AU" sz="2000" dirty="0">
+                <a:latin typeface="Calibri (Body)"/>
+              </a:rPr>
+              <a:t>at the target</a:t>
+            </a:r>
+            <a:r>
+              <a:rPr lang="vi-VN" sz="2000" dirty="0">
+                <a:latin typeface="Calibri (Body)"/>
+              </a:rPr>
+              <a:t> can be dẻived as</a:t>
+            </a:r>
+          </a:p>
+          <a:p>
+            <a:pPr marL="1257300" lvl="2" indent="-342900">
+              <a:buFont typeface="Arial" panose="020B0604020202020204" pitchFamily="34" charset="0"/>
+              <a:buChar char="•"/>
+            </a:pPr>
+            <a:r>
+              <a:rPr lang="vi-VN" sz="2000" dirty="0"/>
+              <a:t>Pt:</a:t>
+            </a:r>
+            <a:r>
+              <a:rPr lang="en-AU" sz="2000" dirty="0"/>
+              <a:t> be the transmitted power, </a:t>
+            </a:r>
+            <a:endParaRPr lang="vi-VN" sz="2000" dirty="0"/>
+          </a:p>
+          <a:p>
+            <a:pPr marL="1257300" lvl="2" indent="-342900">
+              <a:buFont typeface="Arial" panose="020B0604020202020204" pitchFamily="34" charset="0"/>
+              <a:buChar char="•"/>
+            </a:pPr>
+            <a:r>
+              <a:rPr lang="vi-VN" sz="2000" dirty="0"/>
+              <a:t>G: </a:t>
+            </a:r>
+            <a:r>
+              <a:rPr lang="en-AU" sz="2000" dirty="0"/>
+              <a:t>the antenna gain, </a:t>
+            </a:r>
+            <a:endParaRPr lang="vi-VN" sz="2000" dirty="0"/>
+          </a:p>
+          <a:p>
+            <a:pPr marL="1257300" lvl="2" indent="-342900">
+              <a:buFont typeface="Arial" panose="020B0604020202020204" pitchFamily="34" charset="0"/>
+              <a:buChar char="•"/>
+            </a:pPr>
+            <a:r>
+              <a:rPr lang="vi-VN" sz="2000" dirty="0"/>
+              <a:t>R:</a:t>
+            </a:r>
+            <a:r>
+              <a:rPr lang="en-AU" sz="2000" dirty="0"/>
+              <a:t> the distance of the target.</a:t>
+            </a:r>
+            <a:endParaRPr lang="en-US" sz="2000" i="1" dirty="0">
+              <a:solidFill>
+                <a:schemeClr val="bg2">
+                  <a:lumMod val="75000"/>
+                </a:schemeClr>
+              </a:solidFill>
+            </a:endParaRPr>
+          </a:p>
+        </p:txBody>
+      </p:sp>
+      <p:pic>
+        <p:nvPicPr>
+          <p:cNvPr id="6" name="Picture 5">
+            <a:extLst>
+              <a:ext uri="{FF2B5EF4-FFF2-40B4-BE49-F238E27FC236}">
+                <a16:creationId xmlns:a16="http://schemas.microsoft.com/office/drawing/2014/main" id="{D669F875-C066-B252-395B-118D4D34FFBC}"/>
+              </a:ext>
+            </a:extLst>
+          </p:cNvPr>
+          <p:cNvPicPr>
+            <a:picLocks noChangeAspect="1"/>
+          </p:cNvPicPr>
+          <p:nvPr/>
+        </p:nvPicPr>
+        <p:blipFill>
+          <a:blip r:embed="rId3"/>
+          <a:stretch>
+            <a:fillRect/>
+          </a:stretch>
+        </p:blipFill>
+        <p:spPr>
+          <a:xfrm>
+            <a:off x="1346304" y="2222438"/>
+            <a:ext cx="2540131" cy="1206562"/>
+          </a:xfrm>
+          <a:prstGeom prst="rect">
+            <a:avLst/>
+          </a:prstGeom>
+        </p:spPr>
+      </p:pic>
+    </p:spTree>
+    <p:extLst>
+      <p:ext uri="{BB962C8B-B14F-4D97-AF65-F5344CB8AC3E}">
+        <p14:creationId xmlns:p14="http://schemas.microsoft.com/office/powerpoint/2010/main" val="1514477448"/>
+      </p:ext>
+    </p:extLst>
+  </p:cSld>
+  <p:clrMapOvr>
+    <a:masterClrMapping/>
+  </p:clrMapOvr>
+</p:sld>
+</file>
+
+<file path=ppt/slides/slide13.xml><?xml version="1.0" encoding="utf-8"?>
+<p:sld xmlns:a="http://schemas.openxmlformats.org/drawingml/2006/main" xmlns:r="http://schemas.openxmlformats.org/officeDocument/2006/relationships" xmlns:p="http://schemas.openxmlformats.org/presentationml/2006/main">
+  <p:cSld>
+    <p:spTree>
+      <p:nvGrpSpPr>
+        <p:cNvPr id="1" name="">
+          <a:extLst>
+            <a:ext uri="{FF2B5EF4-FFF2-40B4-BE49-F238E27FC236}">
+              <a16:creationId xmlns:a16="http://schemas.microsoft.com/office/drawing/2014/main" id="{E810322B-0653-2A72-C9F4-0BA49234DE3C}"/>
+            </a:ext>
+          </a:extLst>
+        </p:cNvPr>
+        <p:cNvGrpSpPr/>
+        <p:nvPr/>
+      </p:nvGrpSpPr>
+      <p:grpSpPr>
+        <a:xfrm>
+          <a:off x="0" y="0"/>
+          <a:ext cx="0" cy="0"/>
+          <a:chOff x="0" y="0"/>
+          <a:chExt cx="0" cy="0"/>
+        </a:xfrm>
+      </p:grpSpPr>
+      <p:sp>
+        <p:nvSpPr>
+          <p:cNvPr id="2" name="Title 1">
+            <a:extLst>
+              <a:ext uri="{FF2B5EF4-FFF2-40B4-BE49-F238E27FC236}">
+                <a16:creationId xmlns:a16="http://schemas.microsoft.com/office/drawing/2014/main" id="{2F54C069-3AD2-AD36-7E7A-12FDCB9A3B44}"/>
+              </a:ext>
+            </a:extLst>
+          </p:cNvPr>
+          <p:cNvSpPr>
+            <a:spLocks noGrp="1"/>
+          </p:cNvSpPr>
+          <p:nvPr>
+            <p:ph type="title"/>
+          </p:nvPr>
+        </p:nvSpPr>
+        <p:spPr/>
+        <p:txBody>
+          <a:bodyPr>
+            <a:normAutofit/>
+          </a:bodyPr>
+          <a:lstStyle/>
+          <a:p>
+            <a:r>
+              <a:rPr lang="en-US" sz="4200" dirty="0">
+                <a:latin typeface="Calibri Light (Headings)"/>
+              </a:rPr>
+              <a:t>Radar Signal </a:t>
+            </a:r>
+            <a:r>
+              <a:rPr lang="vi-VN" sz="4200" dirty="0">
+                <a:latin typeface="Calibri Light (Headings)"/>
+              </a:rPr>
+              <a:t>Processing - Radar Equation</a:t>
+            </a:r>
+            <a:endParaRPr lang="en-US" sz="4200" dirty="0">
+              <a:latin typeface="Calibri Light (Headings)"/>
+            </a:endParaRPr>
+          </a:p>
+        </p:txBody>
+      </p:sp>
+      <p:pic>
+        <p:nvPicPr>
+          <p:cNvPr id="5" name="Content Placeholder 4">
+            <a:extLst>
+              <a:ext uri="{FF2B5EF4-FFF2-40B4-BE49-F238E27FC236}">
+                <a16:creationId xmlns:a16="http://schemas.microsoft.com/office/drawing/2014/main" id="{4B5E7C92-AF34-0467-8C99-76E358C5C455}"/>
+              </a:ext>
+            </a:extLst>
+          </p:cNvPr>
+          <p:cNvPicPr>
+            <a:picLocks noGrp="1" noChangeAspect="1"/>
+          </p:cNvPicPr>
+          <p:nvPr>
+            <p:ph idx="1"/>
+          </p:nvPr>
+        </p:nvPicPr>
+        <p:blipFill>
+          <a:blip r:embed="rId2"/>
+          <a:stretch>
+            <a:fillRect/>
+          </a:stretch>
+        </p:blipFill>
+        <p:spPr>
+          <a:xfrm>
+            <a:off x="5850378" y="1439074"/>
+            <a:ext cx="5454328" cy="1738312"/>
+          </a:xfrm>
+          <a:prstGeom prst="rect">
+            <a:avLst/>
+          </a:prstGeom>
+        </p:spPr>
+      </p:pic>
+      <p:pic>
+        <p:nvPicPr>
+          <p:cNvPr id="11" name="Picture 10">
+            <a:extLst>
+              <a:ext uri="{FF2B5EF4-FFF2-40B4-BE49-F238E27FC236}">
+                <a16:creationId xmlns:a16="http://schemas.microsoft.com/office/drawing/2014/main" id="{315E9A19-2F83-FB7D-E084-C009F327F22F}"/>
+              </a:ext>
+            </a:extLst>
+          </p:cNvPr>
+          <p:cNvPicPr>
+            <a:picLocks noChangeAspect="1"/>
+          </p:cNvPicPr>
+          <p:nvPr/>
+        </p:nvPicPr>
+        <p:blipFill>
+          <a:blip r:embed="rId3"/>
+          <a:stretch>
+            <a:fillRect/>
+          </a:stretch>
+        </p:blipFill>
+        <p:spPr>
+          <a:xfrm>
+            <a:off x="1343732" y="1296394"/>
+            <a:ext cx="3375301" cy="2228171"/>
+          </a:xfrm>
+          <a:prstGeom prst="rect">
+            <a:avLst/>
+          </a:prstGeom>
+        </p:spPr>
+      </p:pic>
+      <p:pic>
+        <p:nvPicPr>
+          <p:cNvPr id="13" name="Picture 12">
+            <a:extLst>
+              <a:ext uri="{FF2B5EF4-FFF2-40B4-BE49-F238E27FC236}">
+                <a16:creationId xmlns:a16="http://schemas.microsoft.com/office/drawing/2014/main" id="{2A4FEC97-4E7C-CFD9-50AE-F3D57299CAB6}"/>
+              </a:ext>
+            </a:extLst>
+          </p:cNvPr>
+          <p:cNvPicPr>
+            <a:picLocks noChangeAspect="1"/>
+          </p:cNvPicPr>
+          <p:nvPr/>
+        </p:nvPicPr>
+        <p:blipFill>
+          <a:blip r:embed="rId4"/>
+          <a:stretch>
+            <a:fillRect/>
+          </a:stretch>
+        </p:blipFill>
+        <p:spPr>
+          <a:xfrm>
+            <a:off x="6314883" y="3356648"/>
+            <a:ext cx="5384738" cy="3456679"/>
+          </a:xfrm>
+          <a:prstGeom prst="rect">
+            <a:avLst/>
+          </a:prstGeom>
+        </p:spPr>
+      </p:pic>
+      <p:pic>
+        <p:nvPicPr>
+          <p:cNvPr id="15" name="Picture 14">
+            <a:extLst>
+              <a:ext uri="{FF2B5EF4-FFF2-40B4-BE49-F238E27FC236}">
+                <a16:creationId xmlns:a16="http://schemas.microsoft.com/office/drawing/2014/main" id="{F866CD02-2352-8869-B93D-826A15C1DBEA}"/>
+              </a:ext>
+            </a:extLst>
+          </p:cNvPr>
+          <p:cNvPicPr>
+            <a:picLocks noChangeAspect="1"/>
+          </p:cNvPicPr>
+          <p:nvPr/>
+        </p:nvPicPr>
+        <p:blipFill>
+          <a:blip r:embed="rId5"/>
+          <a:stretch>
+            <a:fillRect/>
+          </a:stretch>
+        </p:blipFill>
+        <p:spPr>
+          <a:xfrm>
+            <a:off x="957358" y="3521148"/>
+            <a:ext cx="4942115" cy="3156423"/>
+          </a:xfrm>
+          <a:prstGeom prst="rect">
+            <a:avLst/>
+          </a:prstGeom>
+        </p:spPr>
+      </p:pic>
+    </p:spTree>
+    <p:extLst>
+      <p:ext uri="{BB962C8B-B14F-4D97-AF65-F5344CB8AC3E}">
+        <p14:creationId xmlns:p14="http://schemas.microsoft.com/office/powerpoint/2010/main" val="1268297887"/>
+      </p:ext>
+    </p:extLst>
+  </p:cSld>
+  <p:clrMapOvr>
+    <a:masterClrMapping/>
+  </p:clrMapOvr>
+</p:sld>
+</file>
+
+<file path=ppt/slides/slide14.xml><?xml version="1.0" encoding="utf-8"?>
+<p:sld xmlns:a="http://schemas.openxmlformats.org/drawingml/2006/main" xmlns:r="http://schemas.openxmlformats.org/officeDocument/2006/relationships" xmlns:p="http://schemas.openxmlformats.org/presentationml/2006/main">
+  <p:cSld>
+    <p:spTree>
+      <p:nvGrpSpPr>
+        <p:cNvPr id="1" name="">
+          <a:extLst>
+            <a:ext uri="{FF2B5EF4-FFF2-40B4-BE49-F238E27FC236}">
+              <a16:creationId xmlns:a16="http://schemas.microsoft.com/office/drawing/2014/main" id="{1B6FB74D-38E4-D91B-3EBC-5AA526665C8C}"/>
+            </a:ext>
+          </a:extLst>
+        </p:cNvPr>
+        <p:cNvGrpSpPr/>
+        <p:nvPr/>
+      </p:nvGrpSpPr>
+      <p:grpSpPr>
+        <a:xfrm>
+          <a:off x="0" y="0"/>
+          <a:ext cx="0" cy="0"/>
+          <a:chOff x="0" y="0"/>
+          <a:chExt cx="0" cy="0"/>
+        </a:xfrm>
+      </p:grpSpPr>
+      <p:sp>
+        <p:nvSpPr>
+          <p:cNvPr id="2" name="Title 1">
+            <a:extLst>
+              <a:ext uri="{FF2B5EF4-FFF2-40B4-BE49-F238E27FC236}">
+                <a16:creationId xmlns:a16="http://schemas.microsoft.com/office/drawing/2014/main" id="{C9CD3EB7-D14C-12D9-52F2-0D513560BA46}"/>
+              </a:ext>
+            </a:extLst>
+          </p:cNvPr>
+          <p:cNvSpPr>
+            <a:spLocks noGrp="1"/>
+          </p:cNvSpPr>
+          <p:nvPr>
+            <p:ph type="title"/>
+          </p:nvPr>
+        </p:nvSpPr>
+        <p:spPr/>
+        <p:txBody>
+          <a:bodyPr>
+            <a:normAutofit/>
+          </a:bodyPr>
+          <a:lstStyle/>
+          <a:p>
+            <a:r>
+              <a:rPr lang="en-US" sz="4200" dirty="0">
+                <a:latin typeface="Calibri Light (Headings)"/>
+              </a:rPr>
+              <a:t>Radar Signal </a:t>
+            </a:r>
+            <a:r>
+              <a:rPr lang="vi-VN" sz="4200" dirty="0">
+                <a:latin typeface="Calibri Light (Headings)"/>
+              </a:rPr>
+              <a:t>Processing - Radar Equation</a:t>
+            </a:r>
+            <a:endParaRPr lang="en-US" sz="4200" dirty="0">
+              <a:latin typeface="Calibri Light (Headings)"/>
+            </a:endParaRPr>
+          </a:p>
+        </p:txBody>
+      </p:sp>
+      <p:pic>
+        <p:nvPicPr>
+          <p:cNvPr id="5" name="Content Placeholder 4">
+            <a:extLst>
+              <a:ext uri="{FF2B5EF4-FFF2-40B4-BE49-F238E27FC236}">
+                <a16:creationId xmlns:a16="http://schemas.microsoft.com/office/drawing/2014/main" id="{1E8A1EAB-BE91-E8F0-6473-A7A95C0A86AD}"/>
+              </a:ext>
+            </a:extLst>
+          </p:cNvPr>
+          <p:cNvPicPr>
+            <a:picLocks noGrp="1" noChangeAspect="1"/>
+          </p:cNvPicPr>
+          <p:nvPr>
+            <p:ph idx="1"/>
+          </p:nvPr>
+        </p:nvPicPr>
+        <p:blipFill>
+          <a:blip r:embed="rId2"/>
+          <a:stretch>
+            <a:fillRect/>
+          </a:stretch>
+        </p:blipFill>
+        <p:spPr>
+          <a:xfrm>
+            <a:off x="5899473" y="1690688"/>
+            <a:ext cx="5454328" cy="1738312"/>
+          </a:xfrm>
+          <a:prstGeom prst="rect">
+            <a:avLst/>
+          </a:prstGeom>
+        </p:spPr>
+      </p:pic>
+      <p:sp>
+        <p:nvSpPr>
+          <p:cNvPr id="3" name="TextBox 2">
+            <a:extLst>
+              <a:ext uri="{FF2B5EF4-FFF2-40B4-BE49-F238E27FC236}">
+                <a16:creationId xmlns:a16="http://schemas.microsoft.com/office/drawing/2014/main" id="{8CA93F17-3482-AD39-F930-7E5FFCBE72D8}"/>
+              </a:ext>
+            </a:extLst>
+          </p:cNvPr>
+          <p:cNvSpPr txBox="1"/>
+          <p:nvPr/>
+        </p:nvSpPr>
+        <p:spPr>
+          <a:xfrm>
+            <a:off x="814347" y="3620778"/>
+            <a:ext cx="9814786" cy="2123658"/>
+          </a:xfrm>
+          <a:prstGeom prst="rect">
+            <a:avLst/>
+          </a:prstGeom>
+          <a:noFill/>
+        </p:spPr>
+        <p:txBody>
+          <a:bodyPr wrap="square" rtlCol="0">
+            <a:spAutoFit/>
+          </a:bodyPr>
+          <a:lstStyle/>
+          <a:p>
+            <a:r>
+              <a:rPr lang="vi-VN" sz="3200" b="1" dirty="0"/>
+              <a:t>Radar Equation</a:t>
+            </a:r>
+            <a:r>
+              <a:rPr lang="vi-VN" sz="2000" dirty="0"/>
+              <a:t>	</a:t>
+            </a:r>
+            <a:endParaRPr lang="en-US" sz="2000" dirty="0"/>
+          </a:p>
+          <a:p>
+            <a:pPr marL="800100" lvl="1" indent="-342900">
+              <a:buFont typeface="Arial" panose="020B0604020202020204" pitchFamily="34" charset="0"/>
+              <a:buChar char="•"/>
+            </a:pPr>
+            <a:r>
+              <a:rPr lang="en-AU" sz="2000" dirty="0"/>
+              <a:t>A radar equation relates the range of a radar to the characteristics of the transmitter, Receiver antenna, target, and distance. </a:t>
+            </a:r>
+            <a:r>
+              <a:rPr lang="vi-VN" sz="2000" dirty="0"/>
+              <a:t>Power </a:t>
+            </a:r>
+            <a:r>
+              <a:rPr lang="en-AU" sz="2000" dirty="0"/>
+              <a:t>density </a:t>
+            </a:r>
+            <a:r>
+              <a:rPr lang="en-AU" sz="2000" dirty="0">
+                <a:latin typeface="Calibri (Body)"/>
+              </a:rPr>
+              <a:t>at the target</a:t>
+            </a:r>
+            <a:r>
+              <a:rPr lang="vi-VN" sz="2000" dirty="0">
+                <a:latin typeface="Calibri (Body)"/>
+              </a:rPr>
+              <a:t> can be dẻived as</a:t>
+            </a:r>
+          </a:p>
+          <a:p>
+            <a:pPr marL="1257300" lvl="2" indent="-342900">
+              <a:buFont typeface="Arial" panose="020B0604020202020204" pitchFamily="34" charset="0"/>
+              <a:buChar char="•"/>
+            </a:pPr>
+            <a:r>
+              <a:rPr lang="vi-VN" sz="2000" dirty="0"/>
+              <a:t>Pt:</a:t>
+            </a:r>
+            <a:r>
+              <a:rPr lang="en-AU" sz="2000" dirty="0"/>
+              <a:t> be the transmitted power, </a:t>
+            </a:r>
+            <a:endParaRPr lang="vi-VN" sz="2000" dirty="0"/>
+          </a:p>
+          <a:p>
+            <a:pPr marL="1257300" lvl="2" indent="-342900">
+              <a:buFont typeface="Arial" panose="020B0604020202020204" pitchFamily="34" charset="0"/>
+              <a:buChar char="•"/>
+            </a:pPr>
+            <a:r>
+              <a:rPr lang="vi-VN" sz="2000" dirty="0"/>
+              <a:t>G: </a:t>
+            </a:r>
+            <a:r>
+              <a:rPr lang="en-AU" sz="2000" dirty="0"/>
+              <a:t>the antenna gain, </a:t>
+            </a:r>
+            <a:endParaRPr lang="vi-VN" sz="2000" dirty="0"/>
+          </a:p>
+          <a:p>
+            <a:pPr marL="1257300" lvl="2" indent="-342900">
+              <a:buFont typeface="Arial" panose="020B0604020202020204" pitchFamily="34" charset="0"/>
+              <a:buChar char="•"/>
+            </a:pPr>
+            <a:r>
+              <a:rPr lang="vi-VN" sz="2000" dirty="0"/>
+              <a:t>R:</a:t>
+            </a:r>
+            <a:r>
+              <a:rPr lang="en-AU" sz="2000" dirty="0"/>
+              <a:t> the distance of the target.</a:t>
+            </a:r>
+            <a:endParaRPr lang="en-US" sz="2000" i="1" dirty="0">
+              <a:solidFill>
+                <a:schemeClr val="bg2">
+                  <a:lumMod val="75000"/>
+                </a:schemeClr>
+              </a:solidFill>
+            </a:endParaRPr>
+          </a:p>
+        </p:txBody>
+      </p:sp>
+      <p:pic>
+        <p:nvPicPr>
+          <p:cNvPr id="6" name="Picture 5">
+            <a:extLst>
+              <a:ext uri="{FF2B5EF4-FFF2-40B4-BE49-F238E27FC236}">
+                <a16:creationId xmlns:a16="http://schemas.microsoft.com/office/drawing/2014/main" id="{5442BC9A-300E-204B-FB1E-43BF37009159}"/>
+              </a:ext>
+            </a:extLst>
+          </p:cNvPr>
+          <p:cNvPicPr>
+            <a:picLocks noChangeAspect="1"/>
+          </p:cNvPicPr>
+          <p:nvPr/>
+        </p:nvPicPr>
+        <p:blipFill>
+          <a:blip r:embed="rId3"/>
+          <a:stretch>
+            <a:fillRect/>
+          </a:stretch>
+        </p:blipFill>
+        <p:spPr>
+          <a:xfrm>
+            <a:off x="1346304" y="2222438"/>
+            <a:ext cx="2540131" cy="1206562"/>
+          </a:xfrm>
+          <a:prstGeom prst="rect">
+            <a:avLst/>
+          </a:prstGeom>
+        </p:spPr>
+      </p:pic>
+    </p:spTree>
+    <p:extLst>
+      <p:ext uri="{BB962C8B-B14F-4D97-AF65-F5344CB8AC3E}">
+        <p14:creationId xmlns:p14="http://schemas.microsoft.com/office/powerpoint/2010/main" val="3604301458"/>
+      </p:ext>
+    </p:extLst>
+  </p:cSld>
+  <p:clrMapOvr>
+    <a:masterClrMapping/>
+  </p:clrMapOvr>
+</p:sld>
+</file>
+
 <file path=ppt/slides/slide2.xml><?xml version="1.0" encoding="utf-8"?>
 <p:sld xmlns:a="http://schemas.openxmlformats.org/drawingml/2006/main" xmlns:r="http://schemas.openxmlformats.org/officeDocument/2006/relationships" xmlns:p="http://schemas.openxmlformats.org/presentationml/2006/main">
   <p:cSld>
@@ -3431,9 +4614,162 @@
           <a:lstStyle/>
           <a:p>
             <a:r>
-              <a:rPr lang="en-US" dirty="0"/>
-              <a:t>Components of Radar Signal Processing</a:t>
-            </a:r>
+              <a:rPr lang="vi-VN" dirty="0"/>
+              <a:t>Table Of Content</a:t>
+            </a:r>
+            <a:endParaRPr lang="en-US" dirty="0"/>
+          </a:p>
+        </p:txBody>
+      </p:sp>
+      <p:sp>
+        <p:nvSpPr>
+          <p:cNvPr id="4" name="Content Placeholder 3">
+            <a:extLst>
+              <a:ext uri="{FF2B5EF4-FFF2-40B4-BE49-F238E27FC236}">
+                <a16:creationId xmlns:a16="http://schemas.microsoft.com/office/drawing/2014/main" id="{AAEF5AC9-49B8-0DD1-81E1-916C0FE7E08C}"/>
+              </a:ext>
+            </a:extLst>
+          </p:cNvPr>
+          <p:cNvSpPr>
+            <a:spLocks noGrp="1"/>
+          </p:cNvSpPr>
+          <p:nvPr>
+            <p:ph idx="1"/>
+          </p:nvPr>
+        </p:nvSpPr>
+        <p:spPr/>
+        <p:txBody>
+          <a:bodyPr/>
+          <a:lstStyle/>
+          <a:p>
+            <a:pPr marL="514350" indent="-514350">
+              <a:buFont typeface="+mj-lt"/>
+              <a:buAutoNum type="arabicPeriod"/>
+            </a:pPr>
+            <a:r>
+              <a:rPr lang="en-US" dirty="0">
+                <a:latin typeface="Calibri (Body)"/>
+              </a:rPr>
+              <a:t>Radar Signal Processing</a:t>
+            </a:r>
+            <a:r>
+              <a:rPr lang="vi-VN" dirty="0">
+                <a:latin typeface="Calibri (Body)"/>
+              </a:rPr>
+              <a:t> Basics</a:t>
+            </a:r>
+          </a:p>
+          <a:p>
+            <a:pPr marL="514350" indent="-514350">
+              <a:buFont typeface="+mj-lt"/>
+              <a:buAutoNum type="arabicPeriod"/>
+            </a:pPr>
+            <a:r>
+              <a:rPr lang="vi-VN" dirty="0">
+                <a:latin typeface="Calibri (Body)"/>
+              </a:rPr>
+              <a:t>Radar Signal Processing</a:t>
+            </a:r>
+          </a:p>
+          <a:p>
+            <a:pPr marL="514350" indent="-514350">
+              <a:buFont typeface="+mj-lt"/>
+              <a:buAutoNum type="arabicPeriod"/>
+            </a:pPr>
+            <a:endParaRPr lang="vi-VN" dirty="0">
+              <a:latin typeface="Calibri (Body)"/>
+            </a:endParaRPr>
+          </a:p>
+          <a:p>
+            <a:pPr marL="514350" indent="-514350">
+              <a:buFont typeface="+mj-lt"/>
+              <a:buAutoNum type="arabicPeriod"/>
+            </a:pPr>
+            <a:endParaRPr lang="vi-VN" dirty="0">
+              <a:latin typeface="Calibri (Body)"/>
+            </a:endParaRPr>
+          </a:p>
+          <a:p>
+            <a:pPr marL="514350" indent="-514350">
+              <a:buFont typeface="+mj-lt"/>
+              <a:buAutoNum type="arabicPeriod"/>
+            </a:pPr>
+            <a:endParaRPr lang="en-US" dirty="0"/>
+          </a:p>
+        </p:txBody>
+      </p:sp>
+    </p:spTree>
+    <p:extLst>
+      <p:ext uri="{BB962C8B-B14F-4D97-AF65-F5344CB8AC3E}">
+        <p14:creationId xmlns:p14="http://schemas.microsoft.com/office/powerpoint/2010/main" val="2331885241"/>
+      </p:ext>
+    </p:extLst>
+  </p:cSld>
+  <p:clrMapOvr>
+    <a:masterClrMapping/>
+  </p:clrMapOvr>
+</p:sld>
+</file>
+
+<file path=ppt/slides/slide3.xml><?xml version="1.0" encoding="utf-8"?>
+<p:sld xmlns:a="http://schemas.openxmlformats.org/drawingml/2006/main" xmlns:r="http://schemas.openxmlformats.org/officeDocument/2006/relationships" xmlns:p="http://schemas.openxmlformats.org/presentationml/2006/main">
+  <p:cSld>
+    <p:spTree>
+      <p:nvGrpSpPr>
+        <p:cNvPr id="1" name="">
+          <a:extLst>
+            <a:ext uri="{FF2B5EF4-FFF2-40B4-BE49-F238E27FC236}">
+              <a16:creationId xmlns:a16="http://schemas.microsoft.com/office/drawing/2014/main" id="{E48A24EB-26F2-76E0-34A1-315C054BC884}"/>
+            </a:ext>
+          </a:extLst>
+        </p:cNvPr>
+        <p:cNvGrpSpPr/>
+        <p:nvPr/>
+      </p:nvGrpSpPr>
+      <p:grpSpPr>
+        <a:xfrm>
+          <a:off x="0" y="0"/>
+          <a:ext cx="0" cy="0"/>
+          <a:chOff x="0" y="0"/>
+          <a:chExt cx="0" cy="0"/>
+        </a:xfrm>
+      </p:grpSpPr>
+      <p:sp>
+        <p:nvSpPr>
+          <p:cNvPr id="2" name="Title 1">
+            <a:extLst>
+              <a:ext uri="{FF2B5EF4-FFF2-40B4-BE49-F238E27FC236}">
+                <a16:creationId xmlns:a16="http://schemas.microsoft.com/office/drawing/2014/main" id="{8260850D-0BA5-19D1-F21E-31C152ED864F}"/>
+              </a:ext>
+            </a:extLst>
+          </p:cNvPr>
+          <p:cNvSpPr>
+            <a:spLocks noGrp="1"/>
+          </p:cNvSpPr>
+          <p:nvPr>
+            <p:ph type="title"/>
+          </p:nvPr>
+        </p:nvSpPr>
+        <p:spPr/>
+        <p:txBody>
+          <a:bodyPr/>
+          <a:lstStyle/>
+          <a:p>
+            <a:r>
+              <a:rPr lang="en-US" dirty="0">
+                <a:latin typeface="Calibri Light (Headings)"/>
+              </a:rPr>
+              <a:t>Radar Signal Processing</a:t>
+            </a:r>
+            <a:r>
+              <a:rPr lang="vi-VN" dirty="0">
+                <a:latin typeface="Calibri Light (Headings)"/>
+              </a:rPr>
+              <a:t> Basis</a:t>
+            </a:r>
+            <a:endParaRPr lang="en-US" dirty="0">
+              <a:latin typeface="Calibri Light (Headings)"/>
+            </a:endParaRPr>
           </a:p>
         </p:txBody>
       </p:sp>
@@ -3442,7 +4778,7 @@
           <p:cNvPr id="5" name="Content Placeholder 4">
             <a:extLst>
               <a:ext uri="{FF2B5EF4-FFF2-40B4-BE49-F238E27FC236}">
-                <a16:creationId xmlns:a16="http://schemas.microsoft.com/office/drawing/2014/main" id="{B0C8A39D-486D-A27C-B083-F96891B21375}"/>
+                <a16:creationId xmlns:a16="http://schemas.microsoft.com/office/drawing/2014/main" id="{5507C7D7-9E0C-8156-032A-683BDC30F731}"/>
               </a:ext>
             </a:extLst>
           </p:cNvPr>
@@ -3472,7 +4808,7 @@
     </p:spTree>
     <p:extLst>
       <p:ext uri="{BB962C8B-B14F-4D97-AF65-F5344CB8AC3E}">
-        <p14:creationId xmlns:p14="http://schemas.microsoft.com/office/powerpoint/2010/main" val="2331885241"/>
+        <p14:creationId xmlns:p14="http://schemas.microsoft.com/office/powerpoint/2010/main" val="1894703514"/>
       </p:ext>
     </p:extLst>
   </p:cSld>
@@ -3482,7 +4818,7 @@
 </p:sld>
 </file>
 
-<file path=ppt/slides/slide3.xml><?xml version="1.0" encoding="utf-8"?>
+<file path=ppt/slides/slide4.xml><?xml version="1.0" encoding="utf-8"?>
 <p:sld xmlns:a="http://schemas.openxmlformats.org/drawingml/2006/main" xmlns:r="http://schemas.openxmlformats.org/officeDocument/2006/relationships" xmlns:p="http://schemas.openxmlformats.org/presentationml/2006/main">
   <p:cSld>
     <p:spTree>
@@ -3527,9 +4863,18 @@
           <a:lstStyle/>
           <a:p>
             <a:r>
-              <a:rPr lang="en-US" dirty="0"/>
-              <a:t>Components of Radar Signal Processing</a:t>
-            </a:r>
+              <a:rPr lang="en-US" dirty="0">
+                <a:latin typeface="Calibri Light (Headings)"/>
+              </a:rPr>
+              <a:t>Radar Signal Processing</a:t>
+            </a:r>
+            <a:r>
+              <a:rPr lang="vi-VN" dirty="0">
+                <a:latin typeface="Calibri Light (Headings)"/>
+              </a:rPr>
+              <a:t> Basis</a:t>
+            </a:r>
+            <a:endParaRPr lang="en-US" dirty="0"/>
           </a:p>
         </p:txBody>
       </p:sp>
@@ -3634,7 +4979,7 @@
 </p:sld>
 </file>
 
-<file path=ppt/slides/slide4.xml><?xml version="1.0" encoding="utf-8"?>
+<file path=ppt/slides/slide5.xml><?xml version="1.0" encoding="utf-8"?>
 <p:sld xmlns:a="http://schemas.openxmlformats.org/drawingml/2006/main" xmlns:r="http://schemas.openxmlformats.org/officeDocument/2006/relationships" xmlns:p="http://schemas.openxmlformats.org/presentationml/2006/main">
   <p:cSld>
     <p:spTree>
@@ -3679,9 +5024,18 @@
           <a:lstStyle/>
           <a:p>
             <a:r>
-              <a:rPr lang="en-US" dirty="0"/>
-              <a:t>Components of Radar Signal Processing</a:t>
-            </a:r>
+              <a:rPr lang="en-US" dirty="0">
+                <a:latin typeface="Calibri Light (Headings)"/>
+              </a:rPr>
+              <a:t>Radar Signal Processing</a:t>
+            </a:r>
+            <a:r>
+              <a:rPr lang="vi-VN" dirty="0">
+                <a:latin typeface="Calibri Light (Headings)"/>
+              </a:rPr>
+              <a:t> Basis</a:t>
+            </a:r>
+            <a:endParaRPr lang="en-US" dirty="0"/>
           </a:p>
         </p:txBody>
       </p:sp>
@@ -3790,7 +5144,7 @@
 </p:sld>
 </file>
 
-<file path=ppt/slides/slide5.xml><?xml version="1.0" encoding="utf-8"?>
+<file path=ppt/slides/slide6.xml><?xml version="1.0" encoding="utf-8"?>
 <p:sld xmlns:a="http://schemas.openxmlformats.org/drawingml/2006/main" xmlns:r="http://schemas.openxmlformats.org/officeDocument/2006/relationships" xmlns:p="http://schemas.openxmlformats.org/presentationml/2006/main">
   <p:cSld>
     <p:spTree>
@@ -3835,9 +5189,18 @@
           <a:lstStyle/>
           <a:p>
             <a:r>
-              <a:rPr lang="en-US" dirty="0"/>
-              <a:t>Components of Radar Signal Processing</a:t>
-            </a:r>
+              <a:rPr lang="en-US" dirty="0">
+                <a:latin typeface="Calibri Light (Headings)"/>
+              </a:rPr>
+              <a:t>Radar Signal Processing</a:t>
+            </a:r>
+            <a:r>
+              <a:rPr lang="vi-VN" dirty="0">
+                <a:latin typeface="Calibri Light (Headings)"/>
+              </a:rPr>
+              <a:t> Basis</a:t>
+            </a:r>
+            <a:endParaRPr lang="en-US" dirty="0"/>
           </a:p>
         </p:txBody>
       </p:sp>
@@ -3978,7 +5341,7 @@
 </p:sld>
 </file>
 
-<file path=ppt/slides/slide6.xml><?xml version="1.0" encoding="utf-8"?>
+<file path=ppt/slides/slide7.xml><?xml version="1.0" encoding="utf-8"?>
 <p:sld xmlns:a="http://schemas.openxmlformats.org/drawingml/2006/main" xmlns:r="http://schemas.openxmlformats.org/officeDocument/2006/relationships" xmlns:p="http://schemas.openxmlformats.org/presentationml/2006/main">
   <p:cSld>
     <p:spTree>
@@ -4023,9 +5386,18 @@
           <a:lstStyle/>
           <a:p>
             <a:r>
-              <a:rPr lang="en-US" dirty="0"/>
-              <a:t>Components of Radar Signal Processing</a:t>
-            </a:r>
+              <a:rPr lang="en-US" dirty="0">
+                <a:latin typeface="Calibri Light (Headings)"/>
+              </a:rPr>
+              <a:t>Radar Signal Processing</a:t>
+            </a:r>
+            <a:r>
+              <a:rPr lang="vi-VN" dirty="0">
+                <a:latin typeface="Calibri Light (Headings)"/>
+              </a:rPr>
+              <a:t> Basis</a:t>
+            </a:r>
+            <a:endParaRPr lang="en-US" dirty="0"/>
           </a:p>
         </p:txBody>
       </p:sp>
@@ -4120,7 +5492,7 @@
 </p:sld>
 </file>
 
-<file path=ppt/slides/slide7.xml><?xml version="1.0" encoding="utf-8"?>
+<file path=ppt/slides/slide8.xml><?xml version="1.0" encoding="utf-8"?>
 <p:sld xmlns:a="http://schemas.openxmlformats.org/drawingml/2006/main" xmlns:r="http://schemas.openxmlformats.org/officeDocument/2006/relationships" xmlns:p="http://schemas.openxmlformats.org/presentationml/2006/main">
   <p:cSld>
     <p:spTree>
@@ -4165,9 +5537,18 @@
           <a:lstStyle/>
           <a:p>
             <a:r>
-              <a:rPr lang="en-US" dirty="0"/>
-              <a:t>Components of Radar Signal Processing</a:t>
-            </a:r>
+              <a:rPr lang="en-US" dirty="0">
+                <a:latin typeface="Calibri Light (Headings)"/>
+              </a:rPr>
+              <a:t>Radar Signal Processing</a:t>
+            </a:r>
+            <a:r>
+              <a:rPr lang="vi-VN" dirty="0">
+                <a:latin typeface="Calibri Light (Headings)"/>
+              </a:rPr>
+              <a:t> Basis</a:t>
+            </a:r>
+            <a:endParaRPr lang="en-US" dirty="0"/>
           </a:p>
         </p:txBody>
       </p:sp>
@@ -4271,7 +5652,7 @@
 </p:sld>
 </file>
 
-<file path=ppt/slides/slide8.xml><?xml version="1.0" encoding="utf-8"?>
+<file path=ppt/slides/slide9.xml><?xml version="1.0" encoding="utf-8"?>
 <p:sld xmlns:a="http://schemas.openxmlformats.org/drawingml/2006/main" xmlns:r="http://schemas.openxmlformats.org/officeDocument/2006/relationships" xmlns:p="http://schemas.openxmlformats.org/presentationml/2006/main">
   <p:cSld>
     <p:spTree>
@@ -4316,9 +5697,18 @@
           <a:lstStyle/>
           <a:p>
             <a:r>
-              <a:rPr lang="en-US" dirty="0"/>
-              <a:t>Components of Radar Signal Processing</a:t>
-            </a:r>
+              <a:rPr lang="en-US" dirty="0">
+                <a:latin typeface="Calibri Light (Headings)"/>
+              </a:rPr>
+              <a:t>Radar Signal Processing</a:t>
+            </a:r>
+            <a:r>
+              <a:rPr lang="vi-VN" dirty="0">
+                <a:latin typeface="Calibri Light (Headings)"/>
+              </a:rPr>
+              <a:t> Basis</a:t>
+            </a:r>
+            <a:endParaRPr lang="en-US" dirty="0"/>
           </a:p>
         </p:txBody>
       </p:sp>
@@ -4424,214 +5814,6 @@
     <p:extLst>
       <p:ext uri="{BB962C8B-B14F-4D97-AF65-F5344CB8AC3E}">
         <p14:creationId xmlns:p14="http://schemas.microsoft.com/office/powerpoint/2010/main" val="62683818"/>
-      </p:ext>
-    </p:extLst>
-  </p:cSld>
-  <p:clrMapOvr>
-    <a:masterClrMapping/>
-  </p:clrMapOvr>
-</p:sld>
-</file>
-
-<file path=ppt/slides/slide9.xml><?xml version="1.0" encoding="utf-8"?>
-<p:sld xmlns:a="http://schemas.openxmlformats.org/drawingml/2006/main" xmlns:r="http://schemas.openxmlformats.org/officeDocument/2006/relationships" xmlns:p="http://schemas.openxmlformats.org/presentationml/2006/main">
-  <p:cSld>
-    <p:spTree>
-      <p:nvGrpSpPr>
-        <p:cNvPr id="1" name="">
-          <a:extLst>
-            <a:ext uri="{FF2B5EF4-FFF2-40B4-BE49-F238E27FC236}">
-              <a16:creationId xmlns:a16="http://schemas.microsoft.com/office/drawing/2014/main" id="{DFF5BCDF-EA04-FECC-2A2D-8C9FE564B8F1}"/>
-            </a:ext>
-          </a:extLst>
-        </p:cNvPr>
-        <p:cNvGrpSpPr/>
-        <p:nvPr/>
-      </p:nvGrpSpPr>
-      <p:grpSpPr>
-        <a:xfrm>
-          <a:off x="0" y="0"/>
-          <a:ext cx="0" cy="0"/>
-          <a:chOff x="0" y="0"/>
-          <a:chExt cx="0" cy="0"/>
-        </a:xfrm>
-      </p:grpSpPr>
-      <p:sp>
-        <p:nvSpPr>
-          <p:cNvPr id="2" name="Title 1">
-            <a:extLst>
-              <a:ext uri="{FF2B5EF4-FFF2-40B4-BE49-F238E27FC236}">
-                <a16:creationId xmlns:a16="http://schemas.microsoft.com/office/drawing/2014/main" id="{8A7E6CA3-1C5B-6122-0F7F-F13E5212F482}"/>
-              </a:ext>
-            </a:extLst>
-          </p:cNvPr>
-          <p:cNvSpPr>
-            <a:spLocks noGrp="1"/>
-          </p:cNvSpPr>
-          <p:nvPr>
-            <p:ph type="title"/>
-          </p:nvPr>
-        </p:nvSpPr>
-        <p:spPr/>
-        <p:txBody>
-          <a:bodyPr/>
-          <a:lstStyle/>
-          <a:p>
-            <a:r>
-              <a:rPr lang="en-US" dirty="0"/>
-              <a:t>Components of Radar Signal Processing</a:t>
-            </a:r>
-          </a:p>
-        </p:txBody>
-      </p:sp>
-      <p:pic>
-        <p:nvPicPr>
-          <p:cNvPr id="5" name="Content Placeholder 4">
-            <a:extLst>
-              <a:ext uri="{FF2B5EF4-FFF2-40B4-BE49-F238E27FC236}">
-                <a16:creationId xmlns:a16="http://schemas.microsoft.com/office/drawing/2014/main" id="{E8B0302B-FE26-CBDC-50D9-A98917236CFC}"/>
-              </a:ext>
-            </a:extLst>
-          </p:cNvPr>
-          <p:cNvPicPr>
-            <a:picLocks noGrp="1" noChangeAspect="1"/>
-          </p:cNvPicPr>
-          <p:nvPr>
-            <p:ph idx="1"/>
-          </p:nvPr>
-        </p:nvPicPr>
-        <p:blipFill>
-          <a:blip r:embed="rId2"/>
-          <a:stretch>
-            <a:fillRect/>
-          </a:stretch>
-        </p:blipFill>
-        <p:spPr>
-          <a:xfrm>
-            <a:off x="5899473" y="1690688"/>
-            <a:ext cx="5454328" cy="1738312"/>
-          </a:xfrm>
-          <a:prstGeom prst="rect">
-            <a:avLst/>
-          </a:prstGeom>
-        </p:spPr>
-      </p:pic>
-      <p:sp>
-        <p:nvSpPr>
-          <p:cNvPr id="3" name="TextBox 2">
-            <a:extLst>
-              <a:ext uri="{FF2B5EF4-FFF2-40B4-BE49-F238E27FC236}">
-                <a16:creationId xmlns:a16="http://schemas.microsoft.com/office/drawing/2014/main" id="{38457D46-90D4-B9DA-8EBA-A4D6EA55AD7F}"/>
-              </a:ext>
-            </a:extLst>
-          </p:cNvPr>
-          <p:cNvSpPr txBox="1"/>
-          <p:nvPr/>
-        </p:nvSpPr>
-        <p:spPr>
-          <a:xfrm>
-            <a:off x="814347" y="3620778"/>
-            <a:ext cx="9814786" cy="2431435"/>
-          </a:xfrm>
-          <a:prstGeom prst="rect">
-            <a:avLst/>
-          </a:prstGeom>
-          <a:noFill/>
-        </p:spPr>
-        <p:txBody>
-          <a:bodyPr wrap="square" rtlCol="0">
-            <a:spAutoFit/>
-          </a:bodyPr>
-          <a:lstStyle/>
-          <a:p>
-            <a:r>
-              <a:rPr lang="en-US" sz="3200" b="1" dirty="0"/>
-              <a:t>Digital Signal Processing</a:t>
-            </a:r>
-          </a:p>
-          <a:p>
-            <a:pPr marL="742950" lvl="1" indent="-285750">
-              <a:buFont typeface="Arial" panose="020B0604020202020204" pitchFamily="34" charset="0"/>
-              <a:buChar char="•"/>
-            </a:pPr>
-            <a:r>
-              <a:rPr lang="en-AU" sz="2000" dirty="0"/>
-              <a:t>Perform distance, speed and angle of the detected object and each of these parameters are measured for each reflected point (Detection).</a:t>
-            </a:r>
-          </a:p>
-          <a:p>
-            <a:pPr marL="742950" lvl="1" indent="-285750">
-              <a:buFont typeface="Arial" panose="020B0604020202020204" pitchFamily="34" charset="0"/>
-              <a:buChar char="•"/>
-            </a:pPr>
-            <a:r>
-              <a:rPr lang="en-AU" sz="2000" dirty="0"/>
-              <a:t>Involves Range – FFT, Doppler – FFT (2D FFT), CFAR, Angle of Arrival Determination, and finally Detection List generation for each Radar cycle</a:t>
-            </a:r>
-          </a:p>
-          <a:p>
-            <a:pPr marL="742950" lvl="1" indent="-285750">
-              <a:buFont typeface="Arial" panose="020B0604020202020204" pitchFamily="34" charset="0"/>
-              <a:buChar char="•"/>
-            </a:pPr>
-            <a:r>
-              <a:rPr lang="en-AU" sz="2000" dirty="0"/>
-              <a:t>Output will be used in </a:t>
-            </a:r>
-            <a:r>
-              <a:rPr lang="en-US" sz="2000" i="1" dirty="0">
-                <a:solidFill>
-                  <a:schemeClr val="bg2">
-                    <a:lumMod val="75000"/>
-                  </a:schemeClr>
-                </a:solidFill>
-              </a:rPr>
-              <a:t>Radar Data Processing (provide List of detections to compute </a:t>
-            </a:r>
-            <a:r>
-              <a:rPr lang="en-AU" sz="2000" i="1" dirty="0">
-                <a:solidFill>
-                  <a:schemeClr val="bg2">
-                    <a:lumMod val="75000"/>
-                  </a:schemeClr>
-                </a:solidFill>
-              </a:rPr>
-              <a:t>List of Track Objects (ex: </a:t>
-            </a:r>
-            <a:r>
-              <a:rPr lang="en-US" sz="2000" i="1" dirty="0">
-                <a:solidFill>
-                  <a:schemeClr val="bg2">
-                    <a:lumMod val="75000"/>
-                  </a:schemeClr>
-                </a:solidFill>
-              </a:rPr>
-              <a:t>Clustering, Object Tracking, …</a:t>
-            </a:r>
-            <a:r>
-              <a:rPr lang="en-AU" sz="2000" i="1" dirty="0">
-                <a:solidFill>
-                  <a:schemeClr val="bg2">
-                    <a:lumMod val="75000"/>
-                  </a:schemeClr>
-                </a:solidFill>
-              </a:rPr>
-              <a:t>)</a:t>
-            </a:r>
-            <a:endParaRPr lang="en-US" sz="2000" i="1" dirty="0">
-              <a:solidFill>
-                <a:schemeClr val="bg2">
-                  <a:lumMod val="75000"/>
-                </a:schemeClr>
-              </a:solidFill>
-            </a:endParaRPr>
-          </a:p>
-        </p:txBody>
-      </p:sp>
-    </p:spTree>
-    <p:extLst>
-      <p:ext uri="{BB962C8B-B14F-4D97-AF65-F5344CB8AC3E}">
-        <p14:creationId xmlns:p14="http://schemas.microsoft.com/office/powerpoint/2010/main" val="2815733867"/>
       </p:ext>
     </p:extLst>
   </p:cSld>
